--- a/BudgetApp_Presentation.pptx
+++ b/BudgetApp_Presentation.pptx
@@ -5,22 +5,23 @@
     <p:sldMasterId id="2147483696" r:id="rId4"/>
   </p:sldMasterIdLst>
   <p:notesMasterIdLst>
-    <p:notesMasterId r:id="rId15"/>
+    <p:notesMasterId r:id="rId16"/>
   </p:notesMasterIdLst>
   <p:handoutMasterIdLst>
-    <p:handoutMasterId r:id="rId16"/>
+    <p:handoutMasterId r:id="rId17"/>
   </p:handoutMasterIdLst>
   <p:sldIdLst>
     <p:sldId id="258" r:id="rId5"/>
     <p:sldId id="259" r:id="rId6"/>
     <p:sldId id="260" r:id="rId7"/>
     <p:sldId id="261" r:id="rId8"/>
-    <p:sldId id="262" r:id="rId9"/>
-    <p:sldId id="263" r:id="rId10"/>
-    <p:sldId id="264" r:id="rId11"/>
-    <p:sldId id="265" r:id="rId12"/>
-    <p:sldId id="266" r:id="rId13"/>
-    <p:sldId id="267" r:id="rId14"/>
+    <p:sldId id="268" r:id="rId9"/>
+    <p:sldId id="262" r:id="rId10"/>
+    <p:sldId id="263" r:id="rId11"/>
+    <p:sldId id="264" r:id="rId12"/>
+    <p:sldId id="265" r:id="rId13"/>
+    <p:sldId id="266" r:id="rId14"/>
+    <p:sldId id="267" r:id="rId15"/>
   </p:sldIdLst>
   <p:sldSz cx="12192000" cy="6858000"/>
   <p:notesSz cx="6858000" cy="9144000"/>
@@ -139,6 +140,10 @@
     </p:ext>
   </p:extLst>
 </p:presentation>
+</file>
+
+<file path=ppt/revisionInfo.xml><?xml version="1.0" encoding="utf-8"?>
+<p1510:revInfo xmlns:a="http://schemas.openxmlformats.org/drawingml/2006/main" xmlns:r="http://schemas.openxmlformats.org/officeDocument/2006/relationships" xmlns:p1510="http://schemas.microsoft.com/office/powerpoint/2015/10/main"/>
 </file>
 
 <file path=ppt/diagrams/colors1.xml><?xml version="1.0" encoding="utf-8"?>
@@ -3029,13 +3034,13 @@
   <p:clrMapOvr>
     <a:masterClrMapping/>
   </p:clrMapOvr>
-  <mc:AlternateContent xmlns:mc="http://schemas.openxmlformats.org/markup-compatibility/2006">
-    <mc:Choice xmlns:p14="http://schemas.microsoft.com/office/powerpoint/2010/main" Requires="p14">
+  <mc:AlternateContent xmlns:mc="http://schemas.openxmlformats.org/markup-compatibility/2006" xmlns:p14="http://schemas.microsoft.com/office/powerpoint/2010/main">
+    <mc:Choice Requires="p14">
       <p:transition spd="med" p14:dur="700">
         <p:fade/>
       </p:transition>
     </mc:Choice>
-    <mc:Fallback>
+    <mc:Fallback xmlns="">
       <p:transition spd="med">
         <p:fade/>
       </p:transition>
@@ -3213,13 +3218,13 @@
   <p:clrMapOvr>
     <a:masterClrMapping/>
   </p:clrMapOvr>
-  <mc:AlternateContent xmlns:mc="http://schemas.openxmlformats.org/markup-compatibility/2006">
-    <mc:Choice xmlns:p14="http://schemas.microsoft.com/office/powerpoint/2010/main" Requires="p14">
+  <mc:AlternateContent xmlns:mc="http://schemas.openxmlformats.org/markup-compatibility/2006" xmlns:p14="http://schemas.microsoft.com/office/powerpoint/2010/main">
+    <mc:Choice Requires="p14">
       <p:transition spd="med" p14:dur="700">
         <p:fade/>
       </p:transition>
     </mc:Choice>
-    <mc:Fallback>
+    <mc:Fallback xmlns="">
       <p:transition spd="med">
         <p:fade/>
       </p:transition>
@@ -3407,13 +3412,13 @@
   <p:clrMapOvr>
     <a:masterClrMapping/>
   </p:clrMapOvr>
-  <mc:AlternateContent xmlns:mc="http://schemas.openxmlformats.org/markup-compatibility/2006">
-    <mc:Choice xmlns:p14="http://schemas.microsoft.com/office/powerpoint/2010/main" Requires="p14">
+  <mc:AlternateContent xmlns:mc="http://schemas.openxmlformats.org/markup-compatibility/2006" xmlns:p14="http://schemas.microsoft.com/office/powerpoint/2010/main">
+    <mc:Choice Requires="p14">
       <p:transition spd="med" p14:dur="700">
         <p:fade/>
       </p:transition>
     </mc:Choice>
-    <mc:Fallback>
+    <mc:Fallback xmlns="">
       <p:transition spd="med">
         <p:fade/>
       </p:transition>
@@ -3600,13 +3605,13 @@
   <p:clrMapOvr>
     <a:masterClrMapping/>
   </p:clrMapOvr>
-  <mc:AlternateContent xmlns:mc="http://schemas.openxmlformats.org/markup-compatibility/2006">
-    <mc:Choice xmlns:p14="http://schemas.microsoft.com/office/powerpoint/2010/main" Requires="p14">
+  <mc:AlternateContent xmlns:mc="http://schemas.openxmlformats.org/markup-compatibility/2006" xmlns:p14="http://schemas.microsoft.com/office/powerpoint/2010/main">
+    <mc:Choice Requires="p14">
       <p:transition spd="med" p14:dur="700">
         <p:fade/>
       </p:transition>
     </mc:Choice>
-    <mc:Fallback>
+    <mc:Fallback xmlns="">
       <p:transition spd="med">
         <p:fade/>
       </p:transition>
@@ -3823,13 +3828,13 @@
   <p:clrMapOvr>
     <a:masterClrMapping/>
   </p:clrMapOvr>
-  <mc:AlternateContent xmlns:mc="http://schemas.openxmlformats.org/markup-compatibility/2006">
-    <mc:Choice xmlns:p14="http://schemas.microsoft.com/office/powerpoint/2010/main" Requires="p14">
+  <mc:AlternateContent xmlns:mc="http://schemas.openxmlformats.org/markup-compatibility/2006" xmlns:p14="http://schemas.microsoft.com/office/powerpoint/2010/main">
+    <mc:Choice Requires="p14">
       <p:transition spd="med" p14:dur="700">
         <p:fade/>
       </p:transition>
     </mc:Choice>
-    <mc:Fallback>
+    <mc:Fallback xmlns="">
       <p:transition spd="med">
         <p:fade/>
       </p:transition>
@@ -4113,13 +4118,13 @@
   <p:clrMapOvr>
     <a:masterClrMapping/>
   </p:clrMapOvr>
-  <mc:AlternateContent xmlns:mc="http://schemas.openxmlformats.org/markup-compatibility/2006">
-    <mc:Choice xmlns:p14="http://schemas.microsoft.com/office/powerpoint/2010/main" Requires="p14">
+  <mc:AlternateContent xmlns:mc="http://schemas.openxmlformats.org/markup-compatibility/2006" xmlns:p14="http://schemas.microsoft.com/office/powerpoint/2010/main">
+    <mc:Choice Requires="p14">
       <p:transition spd="med" p14:dur="700">
         <p:fade/>
       </p:transition>
     </mc:Choice>
-    <mc:Fallback>
+    <mc:Fallback xmlns="">
       <p:transition spd="med">
         <p:fade/>
       </p:transition>
@@ -4516,13 +4521,13 @@
   <p:clrMapOvr>
     <a:masterClrMapping/>
   </p:clrMapOvr>
-  <mc:AlternateContent xmlns:mc="http://schemas.openxmlformats.org/markup-compatibility/2006">
-    <mc:Choice xmlns:p14="http://schemas.microsoft.com/office/powerpoint/2010/main" Requires="p14">
+  <mc:AlternateContent xmlns:mc="http://schemas.openxmlformats.org/markup-compatibility/2006" xmlns:p14="http://schemas.microsoft.com/office/powerpoint/2010/main">
+    <mc:Choice Requires="p14">
       <p:transition spd="med" p14:dur="700">
         <p:fade/>
       </p:transition>
     </mc:Choice>
-    <mc:Fallback>
+    <mc:Fallback xmlns="">
       <p:transition spd="med">
         <p:fade/>
       </p:transition>
@@ -4663,13 +4668,13 @@
   <p:clrMapOvr>
     <a:masterClrMapping/>
   </p:clrMapOvr>
-  <mc:AlternateContent xmlns:mc="http://schemas.openxmlformats.org/markup-compatibility/2006">
-    <mc:Choice xmlns:p14="http://schemas.microsoft.com/office/powerpoint/2010/main" Requires="p14">
+  <mc:AlternateContent xmlns:mc="http://schemas.openxmlformats.org/markup-compatibility/2006" xmlns:p14="http://schemas.microsoft.com/office/powerpoint/2010/main">
+    <mc:Choice Requires="p14">
       <p:transition spd="med" p14:dur="700">
         <p:fade/>
       </p:transition>
     </mc:Choice>
-    <mc:Fallback>
+    <mc:Fallback xmlns="">
       <p:transition spd="med">
         <p:fade/>
       </p:transition>
@@ -4778,13 +4783,13 @@
   <p:clrMapOvr>
     <a:masterClrMapping/>
   </p:clrMapOvr>
-  <mc:AlternateContent xmlns:mc="http://schemas.openxmlformats.org/markup-compatibility/2006">
-    <mc:Choice xmlns:p14="http://schemas.microsoft.com/office/powerpoint/2010/main" Requires="p14">
+  <mc:AlternateContent xmlns:mc="http://schemas.openxmlformats.org/markup-compatibility/2006" xmlns:p14="http://schemas.microsoft.com/office/powerpoint/2010/main">
+    <mc:Choice Requires="p14">
       <p:transition spd="med" p14:dur="700">
         <p:fade/>
       </p:transition>
     </mc:Choice>
-    <mc:Fallback>
+    <mc:Fallback xmlns="">
       <p:transition spd="med">
         <p:fade/>
       </p:transition>
@@ -5050,13 +5055,13 @@
   <p:clrMapOvr>
     <a:masterClrMapping/>
   </p:clrMapOvr>
-  <mc:AlternateContent xmlns:mc="http://schemas.openxmlformats.org/markup-compatibility/2006">
-    <mc:Choice xmlns:p14="http://schemas.microsoft.com/office/powerpoint/2010/main" Requires="p14">
+  <mc:AlternateContent xmlns:mc="http://schemas.openxmlformats.org/markup-compatibility/2006" xmlns:p14="http://schemas.microsoft.com/office/powerpoint/2010/main">
+    <mc:Choice Requires="p14">
       <p:transition spd="med" p14:dur="700">
         <p:fade/>
       </p:transition>
     </mc:Choice>
-    <mc:Fallback>
+    <mc:Fallback xmlns="">
       <p:transition spd="med">
         <p:fade/>
       </p:transition>
@@ -5391,13 +5396,13 @@
   <p:clrMapOvr>
     <a:masterClrMapping/>
   </p:clrMapOvr>
-  <mc:AlternateContent xmlns:mc="http://schemas.openxmlformats.org/markup-compatibility/2006">
-    <mc:Choice xmlns:p14="http://schemas.microsoft.com/office/powerpoint/2010/main" Requires="p14">
+  <mc:AlternateContent xmlns:mc="http://schemas.openxmlformats.org/markup-compatibility/2006" xmlns:p14="http://schemas.microsoft.com/office/powerpoint/2010/main">
+    <mc:Choice Requires="p14">
       <p:transition spd="med" p14:dur="700">
         <p:fade/>
       </p:transition>
     </mc:Choice>
-    <mc:Fallback>
+    <mc:Fallback xmlns="">
       <p:transition spd="med">
         <p:fade/>
       </p:transition>
@@ -5671,13 +5676,13 @@
     <p:sldLayoutId id="2147483706" r:id="rId10"/>
     <p:sldLayoutId id="2147483707" r:id="rId11"/>
   </p:sldLayoutIdLst>
-  <mc:AlternateContent xmlns:mc="http://schemas.openxmlformats.org/markup-compatibility/2006">
-    <mc:Choice xmlns:p14="http://schemas.microsoft.com/office/powerpoint/2010/main" Requires="p14">
+  <mc:AlternateContent xmlns:mc="http://schemas.openxmlformats.org/markup-compatibility/2006" xmlns:p14="http://schemas.microsoft.com/office/powerpoint/2010/main">
+    <mc:Choice Requires="p14">
       <p:transition spd="med" p14:dur="700">
         <p:fade/>
       </p:transition>
     </mc:Choice>
-    <mc:Fallback>
+    <mc:Fallback xmlns="">
       <p:transition spd="med">
         <p:fade/>
       </p:transition>
@@ -6249,13 +6254,13 @@
   <p:clrMapOvr>
     <a:masterClrMapping/>
   </p:clrMapOvr>
-  <mc:AlternateContent xmlns:mc="http://schemas.openxmlformats.org/markup-compatibility/2006">
-    <mc:Choice xmlns:p14="http://schemas.microsoft.com/office/powerpoint/2010/main" Requires="p14">
+  <mc:AlternateContent xmlns:mc="http://schemas.openxmlformats.org/markup-compatibility/2006" xmlns:p14="http://schemas.microsoft.com/office/powerpoint/2010/main">
+    <mc:Choice Requires="p14">
       <p:transition spd="med" p14:dur="700">
         <p:fade/>
       </p:transition>
     </mc:Choice>
-    <mc:Fallback>
+    <mc:Fallback xmlns="">
       <p:transition spd="med">
         <p:fade/>
       </p:transition>
@@ -6265,6 +6270,238 @@
 </file>
 
 <file path=ppt/slides/slide10.xml><?xml version="1.0" encoding="utf-8"?>
+<p:sld xmlns:a="http://schemas.openxmlformats.org/drawingml/2006/main" xmlns:r="http://schemas.openxmlformats.org/officeDocument/2006/relationships" xmlns:p="http://schemas.openxmlformats.org/presentationml/2006/main">
+  <p:cSld>
+    <p:spTree>
+      <p:nvGrpSpPr>
+        <p:cNvPr id="1" name=""/>
+        <p:cNvGrpSpPr/>
+        <p:nvPr/>
+      </p:nvGrpSpPr>
+      <p:grpSpPr>
+        <a:xfrm>
+          <a:off x="0" y="0"/>
+          <a:ext cx="0" cy="0"/>
+          <a:chOff x="0" y="0"/>
+          <a:chExt cx="0" cy="0"/>
+        </a:xfrm>
+      </p:grpSpPr>
+      <p:sp>
+        <p:nvSpPr>
+          <p:cNvPr id="2" name="Title 1">
+            <a:extLst>
+              <a:ext uri="{FF2B5EF4-FFF2-40B4-BE49-F238E27FC236}">
+                <a16:creationId xmlns:a16="http://schemas.microsoft.com/office/drawing/2014/main" id="{825CD44E-9AFC-4F96-A688-92E745A54784}"/>
+              </a:ext>
+            </a:extLst>
+          </p:cNvPr>
+          <p:cNvSpPr>
+            <a:spLocks noGrp="1"/>
+          </p:cNvSpPr>
+          <p:nvPr>
+            <p:ph type="title"/>
+          </p:nvPr>
+        </p:nvSpPr>
+        <p:spPr/>
+        <p:txBody>
+          <a:bodyPr/>
+          <a:lstStyle/>
+          <a:p>
+            <a:r>
+              <a:rPr lang="en-US" dirty="0"/>
+              <a:t>Future Work</a:t>
+            </a:r>
+          </a:p>
+        </p:txBody>
+      </p:sp>
+      <p:sp>
+        <p:nvSpPr>
+          <p:cNvPr id="3" name="Content Placeholder 2">
+            <a:extLst>
+              <a:ext uri="{FF2B5EF4-FFF2-40B4-BE49-F238E27FC236}">
+                <a16:creationId xmlns:a16="http://schemas.microsoft.com/office/drawing/2014/main" id="{23D46AA1-3F50-4C20-B67E-67D7938A5ED9}"/>
+              </a:ext>
+            </a:extLst>
+          </p:cNvPr>
+          <p:cNvSpPr>
+            <a:spLocks noGrp="1"/>
+          </p:cNvSpPr>
+          <p:nvPr>
+            <p:ph sz="half" idx="1"/>
+          </p:nvPr>
+        </p:nvSpPr>
+        <p:spPr>
+          <a:xfrm>
+            <a:off x="367455" y="1552388"/>
+            <a:ext cx="5384800" cy="4525963"/>
+          </a:xfrm>
+        </p:spPr>
+        <p:txBody>
+          <a:bodyPr/>
+          <a:lstStyle/>
+          <a:p>
+            <a:r>
+              <a:rPr lang="en-US" dirty="0"/>
+              <a:t>Advanced Search </a:t>
+            </a:r>
+          </a:p>
+          <a:p>
+            <a:r>
+              <a:rPr lang="en-US" dirty="0"/>
+              <a:t>ASP.NET Event Calendar</a:t>
+            </a:r>
+          </a:p>
+          <a:p>
+            <a:r>
+              <a:rPr lang="en-US" dirty="0"/>
+              <a:t>Improved Charts</a:t>
+            </a:r>
+          </a:p>
+          <a:p>
+            <a:r>
+              <a:rPr lang="en-US" dirty="0"/>
+              <a:t>Nicer User Interface</a:t>
+            </a:r>
+          </a:p>
+          <a:p>
+            <a:endParaRPr lang="en-US" dirty="0"/>
+          </a:p>
+        </p:txBody>
+      </p:sp>
+      <p:pic>
+        <p:nvPicPr>
+          <p:cNvPr id="6" name="Picture 5">
+            <a:extLst>
+              <a:ext uri="{FF2B5EF4-FFF2-40B4-BE49-F238E27FC236}">
+                <a16:creationId xmlns:a16="http://schemas.microsoft.com/office/drawing/2014/main" id="{66DE8581-80C0-4B73-B642-BD32B5306AA6}"/>
+              </a:ext>
+            </a:extLst>
+          </p:cNvPr>
+          <p:cNvPicPr>
+            <a:picLocks noChangeAspect="1"/>
+          </p:cNvPicPr>
+          <p:nvPr/>
+        </p:nvPicPr>
+        <p:blipFill>
+          <a:blip r:embed="rId2" cstate="print">
+            <a:extLst>
+              <a:ext uri="{28A0092B-C50C-407E-A947-70E740481C1C}">
+                <a14:useLocalDpi xmlns:a14="http://schemas.microsoft.com/office/drawing/2010/main" val="0"/>
+              </a:ext>
+            </a:extLst>
+          </a:blip>
+          <a:stretch>
+            <a:fillRect/>
+          </a:stretch>
+        </p:blipFill>
+        <p:spPr>
+          <a:xfrm>
+            <a:off x="8484977" y="132684"/>
+            <a:ext cx="3308145" cy="2587559"/>
+          </a:xfrm>
+          <a:prstGeom prst="rect">
+            <a:avLst/>
+          </a:prstGeom>
+        </p:spPr>
+      </p:pic>
+      <p:pic>
+        <p:nvPicPr>
+          <p:cNvPr id="8" name="Picture 7">
+            <a:extLst>
+              <a:ext uri="{FF2B5EF4-FFF2-40B4-BE49-F238E27FC236}">
+                <a16:creationId xmlns:a16="http://schemas.microsoft.com/office/drawing/2014/main" id="{C3BB7CC7-821C-4AEC-8EF8-C5CD8BB4A06D}"/>
+              </a:ext>
+            </a:extLst>
+          </p:cNvPr>
+          <p:cNvPicPr>
+            <a:picLocks noChangeAspect="1"/>
+          </p:cNvPicPr>
+          <p:nvPr/>
+        </p:nvPicPr>
+        <p:blipFill>
+          <a:blip r:embed="rId3">
+            <a:extLst>
+              <a:ext uri="{28A0092B-C50C-407E-A947-70E740481C1C}">
+                <a14:useLocalDpi xmlns:a14="http://schemas.microsoft.com/office/drawing/2010/main" val="0"/>
+              </a:ext>
+            </a:extLst>
+          </a:blip>
+          <a:stretch>
+            <a:fillRect/>
+          </a:stretch>
+        </p:blipFill>
+        <p:spPr>
+          <a:xfrm>
+            <a:off x="8868539" y="2900841"/>
+            <a:ext cx="2924583" cy="1829055"/>
+          </a:xfrm>
+          <a:prstGeom prst="rect">
+            <a:avLst/>
+          </a:prstGeom>
+        </p:spPr>
+      </p:pic>
+      <p:pic>
+        <p:nvPicPr>
+          <p:cNvPr id="10" name="Picture 9">
+            <a:extLst>
+              <a:ext uri="{FF2B5EF4-FFF2-40B4-BE49-F238E27FC236}">
+                <a16:creationId xmlns:a16="http://schemas.microsoft.com/office/drawing/2014/main" id="{A2F5FA96-8758-42A8-95AD-6021699B8A93}"/>
+              </a:ext>
+            </a:extLst>
+          </p:cNvPr>
+          <p:cNvPicPr>
+            <a:picLocks noChangeAspect="1"/>
+          </p:cNvPicPr>
+          <p:nvPr/>
+        </p:nvPicPr>
+        <p:blipFill>
+          <a:blip r:embed="rId4">
+            <a:extLst>
+              <a:ext uri="{28A0092B-C50C-407E-A947-70E740481C1C}">
+                <a14:useLocalDpi xmlns:a14="http://schemas.microsoft.com/office/drawing/2010/main" val="0"/>
+              </a:ext>
+            </a:extLst>
+          </a:blip>
+          <a:stretch>
+            <a:fillRect/>
+          </a:stretch>
+        </p:blipFill>
+        <p:spPr>
+          <a:xfrm>
+            <a:off x="4681057" y="3674377"/>
+            <a:ext cx="3711662" cy="2783747"/>
+          </a:xfrm>
+          <a:prstGeom prst="rect">
+            <a:avLst/>
+          </a:prstGeom>
+        </p:spPr>
+      </p:pic>
+    </p:spTree>
+    <p:extLst>
+      <p:ext uri="{BB962C8B-B14F-4D97-AF65-F5344CB8AC3E}">
+        <p14:creationId xmlns:p14="http://schemas.microsoft.com/office/powerpoint/2010/main" val="818587124"/>
+      </p:ext>
+    </p:extLst>
+  </p:cSld>
+  <p:clrMapOvr>
+    <a:masterClrMapping/>
+  </p:clrMapOvr>
+  <mc:AlternateContent xmlns:mc="http://schemas.openxmlformats.org/markup-compatibility/2006" xmlns:p14="http://schemas.microsoft.com/office/powerpoint/2010/main">
+    <mc:Choice Requires="p14">
+      <p:transition spd="med" p14:dur="700">
+        <p:fade/>
+      </p:transition>
+    </mc:Choice>
+    <mc:Fallback xmlns="">
+      <p:transition spd="med">
+        <p:fade/>
+      </p:transition>
+    </mc:Fallback>
+  </mc:AlternateContent>
+</p:sld>
+</file>
+
+<file path=ppt/slides/slide11.xml><?xml version="1.0" encoding="utf-8"?>
 <p:sld xmlns:a="http://schemas.openxmlformats.org/drawingml/2006/main" xmlns:r="http://schemas.openxmlformats.org/officeDocument/2006/relationships" xmlns:p="http://schemas.openxmlformats.org/presentationml/2006/main">
   <p:cSld>
     <p:spTree>
@@ -6569,13 +6806,13 @@
   <p:clrMapOvr>
     <a:masterClrMapping/>
   </p:clrMapOvr>
-  <mc:AlternateContent xmlns:mc="http://schemas.openxmlformats.org/markup-compatibility/2006">
-    <mc:Choice xmlns:p14="http://schemas.microsoft.com/office/powerpoint/2010/main" Requires="p14">
+  <mc:AlternateContent xmlns:mc="http://schemas.openxmlformats.org/markup-compatibility/2006" xmlns:p14="http://schemas.microsoft.com/office/powerpoint/2010/main">
+    <mc:Choice Requires="p14">
       <p:transition spd="med" p14:dur="700">
         <p:fade/>
       </p:transition>
     </mc:Choice>
-    <mc:Fallback>
+    <mc:Fallback xmlns="">
       <p:transition spd="med">
         <p:fade/>
       </p:transition>
@@ -6684,13 +6921,13 @@
   <p:clrMapOvr>
     <a:masterClrMapping/>
   </p:clrMapOvr>
-  <mc:AlternateContent xmlns:mc="http://schemas.openxmlformats.org/markup-compatibility/2006">
-    <mc:Choice xmlns:p14="http://schemas.microsoft.com/office/powerpoint/2010/main" Requires="p14">
+  <mc:AlternateContent xmlns:mc="http://schemas.openxmlformats.org/markup-compatibility/2006" xmlns:p14="http://schemas.microsoft.com/office/powerpoint/2010/main">
+    <mc:Choice Requires="p14">
       <p:transition spd="med" p14:dur="700">
         <p:fade/>
       </p:transition>
     </mc:Choice>
-    <mc:Fallback>
+    <mc:Fallback xmlns="">
       <p:transition spd="med">
         <p:fade/>
       </p:transition>
@@ -6807,8 +7044,8 @@
         </p:blipFill>
         <p:spPr>
           <a:xfrm>
-            <a:off x="268606" y="3397899"/>
-            <a:ext cx="2743583" cy="3162741"/>
+            <a:off x="1017304" y="3997724"/>
+            <a:ext cx="2299476" cy="2650784"/>
           </a:xfrm>
           <a:prstGeom prst="rect">
             <a:avLst/>
@@ -6845,8 +7082,8 @@
         </p:blipFill>
         <p:spPr>
           <a:xfrm>
-            <a:off x="516076" y="1543575"/>
-            <a:ext cx="2852425" cy="2876598"/>
+            <a:off x="234670" y="1201893"/>
+            <a:ext cx="2662280" cy="2684842"/>
           </a:xfrm>
         </p:spPr>
       </p:pic>
@@ -6860,13 +7097,13 @@
   <p:clrMapOvr>
     <a:masterClrMapping/>
   </p:clrMapOvr>
-  <mc:AlternateContent xmlns:mc="http://schemas.openxmlformats.org/markup-compatibility/2006">
-    <mc:Choice xmlns:p14="http://schemas.microsoft.com/office/powerpoint/2010/main" Requires="p14">
+  <mc:AlternateContent xmlns:mc="http://schemas.openxmlformats.org/markup-compatibility/2006" xmlns:p14="http://schemas.microsoft.com/office/powerpoint/2010/main">
+    <mc:Choice Requires="p14">
       <p:transition spd="med" p14:dur="700">
         <p:fade/>
       </p:transition>
     </mc:Choice>
-    <mc:Fallback>
+    <mc:Fallback xmlns="">
       <p:transition spd="med">
         <p:fade/>
       </p:transition>
@@ -6993,42 +7230,6 @@
       </p:pic>
       <p:pic>
         <p:nvPicPr>
-          <p:cNvPr id="14" name="Picture 13">
-            <a:extLst>
-              <a:ext uri="{FF2B5EF4-FFF2-40B4-BE49-F238E27FC236}">
-                <a16:creationId xmlns:a16="http://schemas.microsoft.com/office/drawing/2014/main" id="{2FE5C561-E651-4551-BB9E-6CC223B9715C}"/>
-              </a:ext>
-            </a:extLst>
-          </p:cNvPr>
-          <p:cNvPicPr>
-            <a:picLocks noChangeAspect="1"/>
-          </p:cNvPicPr>
-          <p:nvPr/>
-        </p:nvPicPr>
-        <p:blipFill>
-          <a:blip r:embed="rId4">
-            <a:extLst>
-              <a:ext uri="{28A0092B-C50C-407E-A947-70E740481C1C}">
-                <a14:useLocalDpi xmlns:a14="http://schemas.microsoft.com/office/drawing/2010/main" val="0"/>
-              </a:ext>
-            </a:extLst>
-          </a:blip>
-          <a:stretch>
-            <a:fillRect/>
-          </a:stretch>
-        </p:blipFill>
-        <p:spPr>
-          <a:xfrm>
-            <a:off x="7923804" y="3968444"/>
-            <a:ext cx="3538354" cy="2686834"/>
-          </a:xfrm>
-          <a:prstGeom prst="rect">
-            <a:avLst/>
-          </a:prstGeom>
-        </p:spPr>
-      </p:pic>
-      <p:pic>
-        <p:nvPicPr>
           <p:cNvPr id="16" name="Picture 15">
             <a:extLst>
               <a:ext uri="{FF2B5EF4-FFF2-40B4-BE49-F238E27FC236}">
@@ -7042,7 +7243,7 @@
           <p:nvPr/>
         </p:nvPicPr>
         <p:blipFill>
-          <a:blip r:embed="rId5">
+          <a:blip r:embed="rId4">
             <a:extLst>
               <a:ext uri="{28A0092B-C50C-407E-A947-70E740481C1C}">
                 <a14:useLocalDpi xmlns:a14="http://schemas.microsoft.com/office/drawing/2010/main" val="0"/>
@@ -7078,7 +7279,7 @@
           <p:nvPr/>
         </p:nvPicPr>
         <p:blipFill>
-          <a:blip r:embed="rId6">
+          <a:blip r:embed="rId5">
             <a:extLst>
               <a:ext uri="{28A0092B-C50C-407E-A947-70E740481C1C}">
                 <a14:useLocalDpi xmlns:a14="http://schemas.microsoft.com/office/drawing/2010/main" val="0"/>
@@ -7099,6 +7300,42 @@
           </a:prstGeom>
         </p:spPr>
       </p:pic>
+      <p:pic>
+        <p:nvPicPr>
+          <p:cNvPr id="4" name="Picture 3">
+            <a:extLst>
+              <a:ext uri="{FF2B5EF4-FFF2-40B4-BE49-F238E27FC236}">
+                <a16:creationId xmlns:a16="http://schemas.microsoft.com/office/drawing/2014/main" id="{91D57BF9-0261-4466-8768-92041A80A615}"/>
+              </a:ext>
+            </a:extLst>
+          </p:cNvPr>
+          <p:cNvPicPr>
+            <a:picLocks noChangeAspect="1"/>
+          </p:cNvPicPr>
+          <p:nvPr/>
+        </p:nvPicPr>
+        <p:blipFill>
+          <a:blip r:embed="rId6">
+            <a:extLst>
+              <a:ext uri="{28A0092B-C50C-407E-A947-70E740481C1C}">
+                <a14:useLocalDpi xmlns:a14="http://schemas.microsoft.com/office/drawing/2010/main" val="0"/>
+              </a:ext>
+            </a:extLst>
+          </a:blip>
+          <a:stretch>
+            <a:fillRect/>
+          </a:stretch>
+        </p:blipFill>
+        <p:spPr>
+          <a:xfrm>
+            <a:off x="8205324" y="3978163"/>
+            <a:ext cx="3012322" cy="2499274"/>
+          </a:xfrm>
+          <a:prstGeom prst="rect">
+            <a:avLst/>
+          </a:prstGeom>
+        </p:spPr>
+      </p:pic>
     </p:spTree>
     <p:extLst>
       <p:ext uri="{BB962C8B-B14F-4D97-AF65-F5344CB8AC3E}">
@@ -7109,13 +7346,13 @@
   <p:clrMapOvr>
     <a:masterClrMapping/>
   </p:clrMapOvr>
-  <mc:AlternateContent xmlns:mc="http://schemas.openxmlformats.org/markup-compatibility/2006">
-    <mc:Choice xmlns:p14="http://schemas.microsoft.com/office/powerpoint/2010/main" Requires="p14">
+  <mc:AlternateContent xmlns:mc="http://schemas.openxmlformats.org/markup-compatibility/2006" xmlns:p14="http://schemas.microsoft.com/office/powerpoint/2010/main">
+    <mc:Choice Requires="p14">
       <p:transition spd="med" p14:dur="700">
         <p:fade/>
       </p:transition>
     </mc:Choice>
-    <mc:Fallback>
+    <mc:Fallback xmlns="">
       <p:transition spd="med">
         <p:fade/>
       </p:transition>
@@ -7125,6 +7362,255 @@
 </file>
 
 <file path=ppt/slides/slide5.xml><?xml version="1.0" encoding="utf-8"?>
+<p:sld xmlns:a="http://schemas.openxmlformats.org/drawingml/2006/main" xmlns:r="http://schemas.openxmlformats.org/officeDocument/2006/relationships" xmlns:p="http://schemas.openxmlformats.org/presentationml/2006/main">
+  <p:cSld>
+    <p:spTree>
+      <p:nvGrpSpPr>
+        <p:cNvPr id="1" name=""/>
+        <p:cNvGrpSpPr/>
+        <p:nvPr/>
+      </p:nvGrpSpPr>
+      <p:grpSpPr>
+        <a:xfrm>
+          <a:off x="0" y="0"/>
+          <a:ext cx="0" cy="0"/>
+          <a:chOff x="0" y="0"/>
+          <a:chExt cx="0" cy="0"/>
+        </a:xfrm>
+      </p:grpSpPr>
+      <p:sp>
+        <p:nvSpPr>
+          <p:cNvPr id="2" name="Title 1"/>
+          <p:cNvSpPr>
+            <a:spLocks noGrp="1"/>
+          </p:cNvSpPr>
+          <p:nvPr>
+            <p:ph type="title"/>
+          </p:nvPr>
+        </p:nvSpPr>
+        <p:spPr>
+          <a:xfrm>
+            <a:off x="724111" y="136566"/>
+            <a:ext cx="10972800" cy="914400"/>
+          </a:xfrm>
+        </p:spPr>
+        <p:txBody>
+          <a:bodyPr/>
+          <a:lstStyle/>
+          <a:p>
+            <a:r>
+              <a:rPr lang="en-US" dirty="0"/>
+              <a:t>In Depth Features</a:t>
+            </a:r>
+          </a:p>
+        </p:txBody>
+      </p:sp>
+      <p:pic>
+        <p:nvPicPr>
+          <p:cNvPr id="9" name="Picture 8">
+            <a:extLst>
+              <a:ext uri="{FF2B5EF4-FFF2-40B4-BE49-F238E27FC236}">
+                <a16:creationId xmlns:a16="http://schemas.microsoft.com/office/drawing/2014/main" id="{CC5E0364-8578-47A4-8C62-319C41C05A51}"/>
+              </a:ext>
+            </a:extLst>
+          </p:cNvPr>
+          <p:cNvPicPr>
+            <a:picLocks noChangeAspect="1"/>
+          </p:cNvPicPr>
+          <p:nvPr/>
+        </p:nvPicPr>
+        <p:blipFill>
+          <a:blip r:embed="rId2">
+            <a:extLst>
+              <a:ext uri="{28A0092B-C50C-407E-A947-70E740481C1C}">
+                <a14:useLocalDpi xmlns:a14="http://schemas.microsoft.com/office/drawing/2010/main" val="0"/>
+              </a:ext>
+            </a:extLst>
+          </a:blip>
+          <a:stretch>
+            <a:fillRect/>
+          </a:stretch>
+        </p:blipFill>
+        <p:spPr>
+          <a:xfrm>
+            <a:off x="155337" y="950298"/>
+            <a:ext cx="6055174" cy="3363986"/>
+          </a:xfrm>
+          <a:prstGeom prst="rect">
+            <a:avLst/>
+          </a:prstGeom>
+        </p:spPr>
+      </p:pic>
+      <p:pic>
+        <p:nvPicPr>
+          <p:cNvPr id="12" name="Picture 11">
+            <a:extLst>
+              <a:ext uri="{FF2B5EF4-FFF2-40B4-BE49-F238E27FC236}">
+                <a16:creationId xmlns:a16="http://schemas.microsoft.com/office/drawing/2014/main" id="{B1DAEC61-E54A-47E1-A4DB-8D7361227730}"/>
+              </a:ext>
+            </a:extLst>
+          </p:cNvPr>
+          <p:cNvPicPr>
+            <a:picLocks noChangeAspect="1"/>
+          </p:cNvPicPr>
+          <p:nvPr/>
+        </p:nvPicPr>
+        <p:blipFill>
+          <a:blip r:embed="rId3">
+            <a:extLst>
+              <a:ext uri="{28A0092B-C50C-407E-A947-70E740481C1C}">
+                <a14:useLocalDpi xmlns:a14="http://schemas.microsoft.com/office/drawing/2010/main" val="0"/>
+              </a:ext>
+            </a:extLst>
+          </a:blip>
+          <a:stretch>
+            <a:fillRect/>
+          </a:stretch>
+        </p:blipFill>
+        <p:spPr>
+          <a:xfrm>
+            <a:off x="4867913" y="4416124"/>
+            <a:ext cx="2025540" cy="2299261"/>
+          </a:xfrm>
+          <a:prstGeom prst="rect">
+            <a:avLst/>
+          </a:prstGeom>
+        </p:spPr>
+      </p:pic>
+      <p:pic>
+        <p:nvPicPr>
+          <p:cNvPr id="16" name="Picture 15">
+            <a:extLst>
+              <a:ext uri="{FF2B5EF4-FFF2-40B4-BE49-F238E27FC236}">
+                <a16:creationId xmlns:a16="http://schemas.microsoft.com/office/drawing/2014/main" id="{7DBB1206-F38D-4EA9-80B9-E2B9F2BFC94F}"/>
+              </a:ext>
+            </a:extLst>
+          </p:cNvPr>
+          <p:cNvPicPr>
+            <a:picLocks noChangeAspect="1"/>
+          </p:cNvPicPr>
+          <p:nvPr/>
+        </p:nvPicPr>
+        <p:blipFill>
+          <a:blip r:embed="rId4">
+            <a:extLst>
+              <a:ext uri="{28A0092B-C50C-407E-A947-70E740481C1C}">
+                <a14:useLocalDpi xmlns:a14="http://schemas.microsoft.com/office/drawing/2010/main" val="0"/>
+              </a:ext>
+            </a:extLst>
+          </a:blip>
+          <a:stretch>
+            <a:fillRect/>
+          </a:stretch>
+        </p:blipFill>
+        <p:spPr>
+          <a:xfrm>
+            <a:off x="6409189" y="262401"/>
+            <a:ext cx="5539530" cy="3277753"/>
+          </a:xfrm>
+          <a:prstGeom prst="rect">
+            <a:avLst/>
+          </a:prstGeom>
+        </p:spPr>
+      </p:pic>
+      <p:pic>
+        <p:nvPicPr>
+          <p:cNvPr id="18" name="Picture 17">
+            <a:extLst>
+              <a:ext uri="{FF2B5EF4-FFF2-40B4-BE49-F238E27FC236}">
+                <a16:creationId xmlns:a16="http://schemas.microsoft.com/office/drawing/2014/main" id="{CF3C4D94-4CCF-484E-91E2-A357EDD819D0}"/>
+              </a:ext>
+            </a:extLst>
+          </p:cNvPr>
+          <p:cNvPicPr>
+            <a:picLocks noChangeAspect="1"/>
+          </p:cNvPicPr>
+          <p:nvPr/>
+        </p:nvPicPr>
+        <p:blipFill>
+          <a:blip r:embed="rId5">
+            <a:extLst>
+              <a:ext uri="{28A0092B-C50C-407E-A947-70E740481C1C}">
+                <a14:useLocalDpi xmlns:a14="http://schemas.microsoft.com/office/drawing/2010/main" val="0"/>
+              </a:ext>
+            </a:extLst>
+          </a:blip>
+          <a:stretch>
+            <a:fillRect/>
+          </a:stretch>
+        </p:blipFill>
+        <p:spPr>
+          <a:xfrm>
+            <a:off x="1395035" y="4484903"/>
+            <a:ext cx="2522624" cy="2230482"/>
+          </a:xfrm>
+          <a:prstGeom prst="rect">
+            <a:avLst/>
+          </a:prstGeom>
+        </p:spPr>
+      </p:pic>
+      <p:pic>
+        <p:nvPicPr>
+          <p:cNvPr id="4" name="Picture 3">
+            <a:extLst>
+              <a:ext uri="{FF2B5EF4-FFF2-40B4-BE49-F238E27FC236}">
+                <a16:creationId xmlns:a16="http://schemas.microsoft.com/office/drawing/2014/main" id="{91D57BF9-0261-4466-8768-92041A80A615}"/>
+              </a:ext>
+            </a:extLst>
+          </p:cNvPr>
+          <p:cNvPicPr>
+            <a:picLocks noChangeAspect="1"/>
+          </p:cNvPicPr>
+          <p:nvPr/>
+        </p:nvPicPr>
+        <p:blipFill>
+          <a:blip r:embed="rId6">
+            <a:extLst>
+              <a:ext uri="{28A0092B-C50C-407E-A947-70E740481C1C}">
+                <a14:useLocalDpi xmlns:a14="http://schemas.microsoft.com/office/drawing/2010/main" val="0"/>
+              </a:ext>
+            </a:extLst>
+          </a:blip>
+          <a:stretch>
+            <a:fillRect/>
+          </a:stretch>
+        </p:blipFill>
+        <p:spPr>
+          <a:xfrm>
+            <a:off x="8205324" y="3978163"/>
+            <a:ext cx="3012322" cy="2499274"/>
+          </a:xfrm>
+          <a:prstGeom prst="rect">
+            <a:avLst/>
+          </a:prstGeom>
+        </p:spPr>
+      </p:pic>
+    </p:spTree>
+    <p:extLst>
+      <p:ext uri="{BB962C8B-B14F-4D97-AF65-F5344CB8AC3E}">
+        <p14:creationId xmlns:p14="http://schemas.microsoft.com/office/powerpoint/2010/main" val="2586768658"/>
+      </p:ext>
+    </p:extLst>
+  </p:cSld>
+  <p:clrMapOvr>
+    <a:masterClrMapping/>
+  </p:clrMapOvr>
+  <mc:AlternateContent xmlns:mc="http://schemas.openxmlformats.org/markup-compatibility/2006" xmlns:p14="http://schemas.microsoft.com/office/powerpoint/2010/main">
+    <mc:Choice Requires="p14">
+      <p:transition spd="med" p14:dur="700">
+        <p:fade/>
+      </p:transition>
+    </mc:Choice>
+    <mc:Fallback xmlns="">
+      <p:transition spd="med">
+        <p:fade/>
+      </p:transition>
+    </mc:Fallback>
+  </mc:AlternateContent>
+</p:sld>
+</file>
+
+<file path=ppt/slides/slide6.xml><?xml version="1.0" encoding="utf-8"?>
 <p:sld xmlns:a="http://schemas.openxmlformats.org/drawingml/2006/main" xmlns:r="http://schemas.openxmlformats.org/officeDocument/2006/relationships" xmlns:p="http://schemas.openxmlformats.org/presentationml/2006/main">
   <p:cSld>
     <p:spTree>
@@ -7582,13 +8068,13 @@
   <p:clrMapOvr>
     <a:masterClrMapping/>
   </p:clrMapOvr>
-  <mc:AlternateContent xmlns:mc="http://schemas.openxmlformats.org/markup-compatibility/2006">
-    <mc:Choice xmlns:p14="http://schemas.microsoft.com/office/powerpoint/2010/main" Requires="p14">
+  <mc:AlternateContent xmlns:mc="http://schemas.openxmlformats.org/markup-compatibility/2006" xmlns:p14="http://schemas.microsoft.com/office/powerpoint/2010/main">
+    <mc:Choice Requires="p14">
       <p:transition spd="med" p14:dur="700">
         <p:fade/>
       </p:transition>
     </mc:Choice>
-    <mc:Fallback>
+    <mc:Fallback xmlns="">
       <p:transition spd="med">
         <p:fade/>
       </p:transition>
@@ -7597,7 +8083,7 @@
 </p:sld>
 </file>
 
-<file path=ppt/slides/slide6.xml><?xml version="1.0" encoding="utf-8"?>
+<file path=ppt/slides/slide7.xml><?xml version="1.0" encoding="utf-8"?>
 <p:sld xmlns:a="http://schemas.openxmlformats.org/drawingml/2006/main" xmlns:r="http://schemas.openxmlformats.org/officeDocument/2006/relationships" xmlns:p="http://schemas.openxmlformats.org/presentationml/2006/main">
   <p:cSld>
     <p:spTree>
@@ -7834,13 +8320,13 @@
   <p:clrMapOvr>
     <a:masterClrMapping/>
   </p:clrMapOvr>
-  <mc:AlternateContent xmlns:mc="http://schemas.openxmlformats.org/markup-compatibility/2006">
-    <mc:Choice xmlns:p14="http://schemas.microsoft.com/office/powerpoint/2010/main" Requires="p14">
+  <mc:AlternateContent xmlns:mc="http://schemas.openxmlformats.org/markup-compatibility/2006" xmlns:p14="http://schemas.microsoft.com/office/powerpoint/2010/main">
+    <mc:Choice Requires="p14">
       <p:transition spd="med" p14:dur="700">
         <p:fade/>
       </p:transition>
     </mc:Choice>
-    <mc:Fallback>
+    <mc:Fallback xmlns="">
       <p:transition spd="med">
         <p:fade/>
       </p:transition>
@@ -7849,7 +8335,7 @@
 </p:sld>
 </file>
 
-<file path=ppt/slides/slide7.xml><?xml version="1.0" encoding="utf-8"?>
+<file path=ppt/slides/slide8.xml><?xml version="1.0" encoding="utf-8"?>
 <p:sld xmlns:a="http://schemas.openxmlformats.org/drawingml/2006/main" xmlns:r="http://schemas.openxmlformats.org/officeDocument/2006/relationships" xmlns:p="http://schemas.openxmlformats.org/presentationml/2006/main">
   <p:cSld>
     <p:spTree>
@@ -8018,13 +8504,13 @@
   <p:clrMapOvr>
     <a:masterClrMapping/>
   </p:clrMapOvr>
-  <mc:AlternateContent xmlns:mc="http://schemas.openxmlformats.org/markup-compatibility/2006">
-    <mc:Choice xmlns:p14="http://schemas.microsoft.com/office/powerpoint/2010/main" Requires="p14">
+  <mc:AlternateContent xmlns:mc="http://schemas.openxmlformats.org/markup-compatibility/2006" xmlns:p14="http://schemas.microsoft.com/office/powerpoint/2010/main">
+    <mc:Choice Requires="p14">
       <p:transition spd="med" p14:dur="700">
         <p:fade/>
       </p:transition>
     </mc:Choice>
-    <mc:Fallback>
+    <mc:Fallback xmlns="">
       <p:transition spd="med">
         <p:fade/>
       </p:transition>
@@ -8033,7 +8519,7 @@
 </p:sld>
 </file>
 
-<file path=ppt/slides/slide8.xml><?xml version="1.0" encoding="utf-8"?>
+<file path=ppt/slides/slide9.xml><?xml version="1.0" encoding="utf-8"?>
 <p:sld xmlns:a="http://schemas.openxmlformats.org/drawingml/2006/main" xmlns:r="http://schemas.openxmlformats.org/officeDocument/2006/relationships" xmlns:p="http://schemas.openxmlformats.org/presentationml/2006/main">
   <p:cSld>
     <p:spTree>
@@ -8157,245 +8643,13 @@
   <p:clrMapOvr>
     <a:masterClrMapping/>
   </p:clrMapOvr>
-  <mc:AlternateContent xmlns:mc="http://schemas.openxmlformats.org/markup-compatibility/2006">
-    <mc:Choice xmlns:p14="http://schemas.microsoft.com/office/powerpoint/2010/main" Requires="p14">
+  <mc:AlternateContent xmlns:mc="http://schemas.openxmlformats.org/markup-compatibility/2006" xmlns:p14="http://schemas.microsoft.com/office/powerpoint/2010/main">
+    <mc:Choice Requires="p14">
       <p:transition spd="med" p14:dur="700">
         <p:fade/>
       </p:transition>
     </mc:Choice>
-    <mc:Fallback>
-      <p:transition spd="med">
-        <p:fade/>
-      </p:transition>
-    </mc:Fallback>
-  </mc:AlternateContent>
-</p:sld>
-</file>
-
-<file path=ppt/slides/slide9.xml><?xml version="1.0" encoding="utf-8"?>
-<p:sld xmlns:a="http://schemas.openxmlformats.org/drawingml/2006/main" xmlns:r="http://schemas.openxmlformats.org/officeDocument/2006/relationships" xmlns:p="http://schemas.openxmlformats.org/presentationml/2006/main">
-  <p:cSld>
-    <p:spTree>
-      <p:nvGrpSpPr>
-        <p:cNvPr id="1" name=""/>
-        <p:cNvGrpSpPr/>
-        <p:nvPr/>
-      </p:nvGrpSpPr>
-      <p:grpSpPr>
-        <a:xfrm>
-          <a:off x="0" y="0"/>
-          <a:ext cx="0" cy="0"/>
-          <a:chOff x="0" y="0"/>
-          <a:chExt cx="0" cy="0"/>
-        </a:xfrm>
-      </p:grpSpPr>
-      <p:sp>
-        <p:nvSpPr>
-          <p:cNvPr id="2" name="Title 1">
-            <a:extLst>
-              <a:ext uri="{FF2B5EF4-FFF2-40B4-BE49-F238E27FC236}">
-                <a16:creationId xmlns:a16="http://schemas.microsoft.com/office/drawing/2014/main" id="{825CD44E-9AFC-4F96-A688-92E745A54784}"/>
-              </a:ext>
-            </a:extLst>
-          </p:cNvPr>
-          <p:cNvSpPr>
-            <a:spLocks noGrp="1"/>
-          </p:cNvSpPr>
-          <p:nvPr>
-            <p:ph type="title"/>
-          </p:nvPr>
-        </p:nvSpPr>
-        <p:spPr/>
-        <p:txBody>
-          <a:bodyPr/>
-          <a:lstStyle/>
-          <a:p>
-            <a:r>
-              <a:rPr lang="en-US" dirty="0"/>
-              <a:t>Future Work</a:t>
-            </a:r>
-          </a:p>
-        </p:txBody>
-      </p:sp>
-      <p:sp>
-        <p:nvSpPr>
-          <p:cNvPr id="3" name="Content Placeholder 2">
-            <a:extLst>
-              <a:ext uri="{FF2B5EF4-FFF2-40B4-BE49-F238E27FC236}">
-                <a16:creationId xmlns:a16="http://schemas.microsoft.com/office/drawing/2014/main" id="{23D46AA1-3F50-4C20-B67E-67D7938A5ED9}"/>
-              </a:ext>
-            </a:extLst>
-          </p:cNvPr>
-          <p:cNvSpPr>
-            <a:spLocks noGrp="1"/>
-          </p:cNvSpPr>
-          <p:nvPr>
-            <p:ph sz="half" idx="1"/>
-          </p:nvPr>
-        </p:nvSpPr>
-        <p:spPr>
-          <a:xfrm>
-            <a:off x="367455" y="1552388"/>
-            <a:ext cx="5384800" cy="4525963"/>
-          </a:xfrm>
-        </p:spPr>
-        <p:txBody>
-          <a:bodyPr/>
-          <a:lstStyle/>
-          <a:p>
-            <a:r>
-              <a:rPr lang="en-US" dirty="0"/>
-              <a:t>Advanced Search </a:t>
-            </a:r>
-          </a:p>
-          <a:p>
-            <a:r>
-              <a:rPr lang="en-US" dirty="0"/>
-              <a:t>ASP.NET Event Calendar</a:t>
-            </a:r>
-          </a:p>
-          <a:p>
-            <a:r>
-              <a:rPr lang="en-US" dirty="0"/>
-              <a:t>Improved Charts</a:t>
-            </a:r>
-          </a:p>
-          <a:p>
-            <a:r>
-              <a:rPr lang="en-US" dirty="0"/>
-              <a:t>Nicer User Interface</a:t>
-            </a:r>
-          </a:p>
-          <a:p>
-            <a:endParaRPr lang="en-US" dirty="0"/>
-          </a:p>
-        </p:txBody>
-      </p:sp>
-      <p:pic>
-        <p:nvPicPr>
-          <p:cNvPr id="6" name="Picture 5">
-            <a:extLst>
-              <a:ext uri="{FF2B5EF4-FFF2-40B4-BE49-F238E27FC236}">
-                <a16:creationId xmlns:a16="http://schemas.microsoft.com/office/drawing/2014/main" id="{66DE8581-80C0-4B73-B642-BD32B5306AA6}"/>
-              </a:ext>
-            </a:extLst>
-          </p:cNvPr>
-          <p:cNvPicPr>
-            <a:picLocks noChangeAspect="1"/>
-          </p:cNvPicPr>
-          <p:nvPr/>
-        </p:nvPicPr>
-        <p:blipFill>
-          <a:blip r:embed="rId2" cstate="print">
-            <a:extLst>
-              <a:ext uri="{28A0092B-C50C-407E-A947-70E740481C1C}">
-                <a14:useLocalDpi xmlns:a14="http://schemas.microsoft.com/office/drawing/2010/main" val="0"/>
-              </a:ext>
-            </a:extLst>
-          </a:blip>
-          <a:stretch>
-            <a:fillRect/>
-          </a:stretch>
-        </p:blipFill>
-        <p:spPr>
-          <a:xfrm>
-            <a:off x="8484977" y="132684"/>
-            <a:ext cx="3308145" cy="2587559"/>
-          </a:xfrm>
-          <a:prstGeom prst="rect">
-            <a:avLst/>
-          </a:prstGeom>
-        </p:spPr>
-      </p:pic>
-      <p:pic>
-        <p:nvPicPr>
-          <p:cNvPr id="8" name="Picture 7">
-            <a:extLst>
-              <a:ext uri="{FF2B5EF4-FFF2-40B4-BE49-F238E27FC236}">
-                <a16:creationId xmlns:a16="http://schemas.microsoft.com/office/drawing/2014/main" id="{C3BB7CC7-821C-4AEC-8EF8-C5CD8BB4A06D}"/>
-              </a:ext>
-            </a:extLst>
-          </p:cNvPr>
-          <p:cNvPicPr>
-            <a:picLocks noChangeAspect="1"/>
-          </p:cNvPicPr>
-          <p:nvPr/>
-        </p:nvPicPr>
-        <p:blipFill>
-          <a:blip r:embed="rId3">
-            <a:extLst>
-              <a:ext uri="{28A0092B-C50C-407E-A947-70E740481C1C}">
-                <a14:useLocalDpi xmlns:a14="http://schemas.microsoft.com/office/drawing/2010/main" val="0"/>
-              </a:ext>
-            </a:extLst>
-          </a:blip>
-          <a:stretch>
-            <a:fillRect/>
-          </a:stretch>
-        </p:blipFill>
-        <p:spPr>
-          <a:xfrm>
-            <a:off x="8868539" y="2900841"/>
-            <a:ext cx="2924583" cy="1829055"/>
-          </a:xfrm>
-          <a:prstGeom prst="rect">
-            <a:avLst/>
-          </a:prstGeom>
-        </p:spPr>
-      </p:pic>
-      <p:pic>
-        <p:nvPicPr>
-          <p:cNvPr id="10" name="Picture 9">
-            <a:extLst>
-              <a:ext uri="{FF2B5EF4-FFF2-40B4-BE49-F238E27FC236}">
-                <a16:creationId xmlns:a16="http://schemas.microsoft.com/office/drawing/2014/main" id="{A2F5FA96-8758-42A8-95AD-6021699B8A93}"/>
-              </a:ext>
-            </a:extLst>
-          </p:cNvPr>
-          <p:cNvPicPr>
-            <a:picLocks noChangeAspect="1"/>
-          </p:cNvPicPr>
-          <p:nvPr/>
-        </p:nvPicPr>
-        <p:blipFill>
-          <a:blip r:embed="rId4">
-            <a:extLst>
-              <a:ext uri="{28A0092B-C50C-407E-A947-70E740481C1C}">
-                <a14:useLocalDpi xmlns:a14="http://schemas.microsoft.com/office/drawing/2010/main" val="0"/>
-              </a:ext>
-            </a:extLst>
-          </a:blip>
-          <a:stretch>
-            <a:fillRect/>
-          </a:stretch>
-        </p:blipFill>
-        <p:spPr>
-          <a:xfrm>
-            <a:off x="4681057" y="3674377"/>
-            <a:ext cx="3711662" cy="2783747"/>
-          </a:xfrm>
-          <a:prstGeom prst="rect">
-            <a:avLst/>
-          </a:prstGeom>
-        </p:spPr>
-      </p:pic>
-    </p:spTree>
-    <p:extLst>
-      <p:ext uri="{BB962C8B-B14F-4D97-AF65-F5344CB8AC3E}">
-        <p14:creationId xmlns:p14="http://schemas.microsoft.com/office/powerpoint/2010/main" val="818587124"/>
-      </p:ext>
-    </p:extLst>
-  </p:cSld>
-  <p:clrMapOvr>
-    <a:masterClrMapping/>
-  </p:clrMapOvr>
-  <mc:AlternateContent xmlns:mc="http://schemas.openxmlformats.org/markup-compatibility/2006">
-    <mc:Choice xmlns:p14="http://schemas.microsoft.com/office/powerpoint/2010/main" Requires="p14">
-      <p:transition spd="med" p14:dur="700">
-        <p:fade/>
-      </p:transition>
-    </mc:Choice>
-    <mc:Fallback>
+    <mc:Fallback xmlns="">
       <p:transition spd="med">
         <p:fade/>
       </p:transition>
@@ -9306,6 +9560,15 @@
 </file>
 
 <file path=customXml/item2.xml><?xml version="1.0" encoding="utf-8"?>
+<?mso-contentType ?>
+<FormTemplates xmlns="http://schemas.microsoft.com/sharepoint/v3/contenttype/forms">
+  <Display>DocumentLibraryForm</Display>
+  <Edit>DocumentLibraryForm</Edit>
+  <New>DocumentLibraryForm</New>
+</FormTemplates>
+</file>
+
+<file path=customXml/item3.xml><?xml version="1.0" encoding="utf-8"?>
 <ct:contentTypeSchema xmlns:ct="http://schemas.microsoft.com/office/2006/metadata/contentType" xmlns:ma="http://schemas.microsoft.com/office/2006/metadata/properties/metaAttributes" ct:_="" ma:_="" ma:contentTypeName="Document" ma:contentTypeID="0x010100AA3F7D94069FF64A86F7DFF56D60E3BE" ma:contentTypeVersion="6" ma:contentTypeDescription="Create a new document." ma:contentTypeScope="" ma:versionID="c32302c77d4085ecf495bdddb7f5e889">
   <xsd:schema xmlns:xsd="http://www.w3.org/2001/XMLSchema" xmlns:xs="http://www.w3.org/2001/XMLSchema" xmlns:p="http://schemas.microsoft.com/office/2006/metadata/properties" xmlns:ns2="a4f35948-e619-41b3-aa29-22878b09cfd2" xmlns:ns3="40262f94-9f35-4ac3-9a90-690165a166b7" targetNamespace="http://schemas.microsoft.com/office/2006/metadata/properties" ma:root="true" ma:fieldsID="4ab5ae46be95f9d0be6107e8200be7a2" ns2:_="" ns3:_="">
     <xsd:import namespace="a4f35948-e619-41b3-aa29-22878b09cfd2"/>
@@ -9486,15 +9749,6 @@
 </ct:contentTypeSchema>
 </file>
 
-<file path=customXml/item3.xml><?xml version="1.0" encoding="utf-8"?>
-<?mso-contentType ?>
-<FormTemplates xmlns="http://schemas.microsoft.com/sharepoint/v3/contenttype/forms">
-  <Display>DocumentLibraryForm</Display>
-  <Edit>DocumentLibraryForm</Edit>
-  <New>DocumentLibraryForm</New>
-</FormTemplates>
-</file>
-
 <file path=customXml/itemProps1.xml><?xml version="1.0" encoding="utf-8"?>
 <ds:datastoreItem xmlns:ds="http://schemas.openxmlformats.org/officeDocument/2006/customXml" ds:itemID="{8AFFFBF3-BB42-47F7-806D-D5417A96E6A8}">
   <ds:schemaRefs>
@@ -9513,6 +9767,14 @@
 </file>
 
 <file path=customXml/itemProps2.xml><?xml version="1.0" encoding="utf-8"?>
+<ds:datastoreItem xmlns:ds="http://schemas.openxmlformats.org/officeDocument/2006/customXml" ds:itemID="{4FC28D37-012A-4F78-8189-E37D3400689D}">
+  <ds:schemaRefs>
+    <ds:schemaRef ds:uri="http://schemas.microsoft.com/sharepoint/v3/contenttype/forms"/>
+  </ds:schemaRefs>
+</ds:datastoreItem>
+</file>
+
+<file path=customXml/itemProps3.xml><?xml version="1.0" encoding="utf-8"?>
 <ds:datastoreItem xmlns:ds="http://schemas.openxmlformats.org/officeDocument/2006/customXml" ds:itemID="{B6B1B62E-928A-4006-B97D-326E5E8B4F15}">
   <ds:schemaRefs>
     <ds:schemaRef ds:uri="http://schemas.microsoft.com/office/2006/metadata/contentType"/>
@@ -9529,12 +9791,4 @@
     <ds:schemaRef ds:uri="http://schemas.microsoft.com/internal/obd"/>
   </ds:schemaRefs>
 </ds:datastoreItem>
-</file>
-
-<file path=customXml/itemProps3.xml><?xml version="1.0" encoding="utf-8"?>
-<ds:datastoreItem xmlns:ds="http://schemas.openxmlformats.org/officeDocument/2006/customXml" ds:itemID="{4FC28D37-012A-4F78-8189-E37D3400689D}">
-  <ds:schemaRefs>
-    <ds:schemaRef ds:uri="http://schemas.microsoft.com/sharepoint/v3/contenttype/forms"/>
-  </ds:schemaRefs>
-</ds:datastoreItem>
 </file>